--- a/ppt 16-9/1135.在耶和华殿里.pptx
+++ b/ppt 16-9/1135.在耶和华殿里.pptx
@@ -129,7 +129,7 @@
           <p:cNvPr id="2" name="标题 1">
             <a:extLst>
               <a:ext uri="{FF2B5EF4-FFF2-40B4-BE49-F238E27FC236}">
-                <a16:creationId xmlns:a16="http://schemas.microsoft.com/office/drawing/2014/main" id="{828A93C0-D997-451A-311E-E85F61355C51}"/>
+                <a16:creationId xmlns:a16="http://schemas.microsoft.com/office/drawing/2014/main" id="{BEDA3746-84EF-23FB-B238-673BBA604589}"/>
               </a:ext>
             </a:extLst>
           </p:cNvPr>
@@ -166,7 +166,7 @@
           <p:cNvPr id="3" name="副标题 2">
             <a:extLst>
               <a:ext uri="{FF2B5EF4-FFF2-40B4-BE49-F238E27FC236}">
-                <a16:creationId xmlns:a16="http://schemas.microsoft.com/office/drawing/2014/main" id="{A1CBAEEB-A7C4-59F5-9C36-DF72E51DD063}"/>
+                <a16:creationId xmlns:a16="http://schemas.microsoft.com/office/drawing/2014/main" id="{3ED9A355-8863-2F7C-A8FB-8940F731BD3B}"/>
               </a:ext>
             </a:extLst>
           </p:cNvPr>
@@ -236,7 +236,7 @@
           <p:cNvPr id="4" name="日期占位符 3">
             <a:extLst>
               <a:ext uri="{FF2B5EF4-FFF2-40B4-BE49-F238E27FC236}">
-                <a16:creationId xmlns:a16="http://schemas.microsoft.com/office/drawing/2014/main" id="{FD3CDBEA-8FAD-634D-6F88-F1F7CF06080D}"/>
+                <a16:creationId xmlns:a16="http://schemas.microsoft.com/office/drawing/2014/main" id="{712BD46F-966B-A1DE-D476-896BA0372812}"/>
               </a:ext>
             </a:extLst>
           </p:cNvPr>
@@ -252,7 +252,7 @@
           <a:bodyPr/>
           <a:lstStyle/>
           <a:p>
-            <a:fld id="{D66873F9-F4F6-456D-A0A5-F6D781EC8051}" type="datetimeFigureOut">
+            <a:fld id="{EC0A6D18-8F16-4062-8124-075BE2883A06}" type="datetimeFigureOut">
               <a:rPr lang="zh-CN" altLang="en-US" smtClean="0"/>
               <a:t>2024/3/10</a:t>
             </a:fld>
@@ -265,7 +265,7 @@
           <p:cNvPr id="5" name="页脚占位符 4">
             <a:extLst>
               <a:ext uri="{FF2B5EF4-FFF2-40B4-BE49-F238E27FC236}">
-                <a16:creationId xmlns:a16="http://schemas.microsoft.com/office/drawing/2014/main" id="{772F9E28-DE19-C9B0-EE3C-2DDD45C55137}"/>
+                <a16:creationId xmlns:a16="http://schemas.microsoft.com/office/drawing/2014/main" id="{5FB6F4F7-6C8E-8862-8CAF-5D161D9E60D8}"/>
               </a:ext>
             </a:extLst>
           </p:cNvPr>
@@ -290,7 +290,7 @@
           <p:cNvPr id="6" name="灯片编号占位符 5">
             <a:extLst>
               <a:ext uri="{FF2B5EF4-FFF2-40B4-BE49-F238E27FC236}">
-                <a16:creationId xmlns:a16="http://schemas.microsoft.com/office/drawing/2014/main" id="{A77963F8-6F69-377C-5387-39BAB76F16EA}"/>
+                <a16:creationId xmlns:a16="http://schemas.microsoft.com/office/drawing/2014/main" id="{0D56D6D2-A81F-794A-2441-FF781E4C7F67}"/>
               </a:ext>
             </a:extLst>
           </p:cNvPr>
@@ -306,7 +306,7 @@
           <a:bodyPr/>
           <a:lstStyle/>
           <a:p>
-            <a:fld id="{8508B47B-8C01-4703-9395-438242E14518}" type="slidenum">
+            <a:fld id="{CC8EF511-A96B-4783-9CE7-8163997CB056}" type="slidenum">
               <a:rPr lang="zh-CN" altLang="en-US" smtClean="0"/>
               <a:t>‹#›</a:t>
             </a:fld>
@@ -317,7 +317,7 @@
     </p:spTree>
     <p:extLst>
       <p:ext uri="{BB962C8B-B14F-4D97-AF65-F5344CB8AC3E}">
-        <p14:creationId xmlns:p14="http://schemas.microsoft.com/office/powerpoint/2010/main" val="2048979750"/>
+        <p14:creationId xmlns:p14="http://schemas.microsoft.com/office/powerpoint/2010/main" val="293837352"/>
       </p:ext>
     </p:extLst>
   </p:cSld>
@@ -349,7 +349,7 @@
           <p:cNvPr id="2" name="标题 1">
             <a:extLst>
               <a:ext uri="{FF2B5EF4-FFF2-40B4-BE49-F238E27FC236}">
-                <a16:creationId xmlns:a16="http://schemas.microsoft.com/office/drawing/2014/main" id="{03B5ADD0-D727-D4BC-9A68-3F3EAF766E6F}"/>
+                <a16:creationId xmlns:a16="http://schemas.microsoft.com/office/drawing/2014/main" id="{6BC93EF1-9FA4-0193-CEB6-130E69673365}"/>
               </a:ext>
             </a:extLst>
           </p:cNvPr>
@@ -377,7 +377,7 @@
           <p:cNvPr id="3" name="竖排文字占位符 2">
             <a:extLst>
               <a:ext uri="{FF2B5EF4-FFF2-40B4-BE49-F238E27FC236}">
-                <a16:creationId xmlns:a16="http://schemas.microsoft.com/office/drawing/2014/main" id="{68C0FC75-C95A-9525-1EBF-ACCFEB11198C}"/>
+                <a16:creationId xmlns:a16="http://schemas.microsoft.com/office/drawing/2014/main" id="{70227D6D-73F5-2F76-2263-FA05F5A2991C}"/>
               </a:ext>
             </a:extLst>
           </p:cNvPr>
@@ -434,7 +434,7 @@
           <p:cNvPr id="4" name="日期占位符 3">
             <a:extLst>
               <a:ext uri="{FF2B5EF4-FFF2-40B4-BE49-F238E27FC236}">
-                <a16:creationId xmlns:a16="http://schemas.microsoft.com/office/drawing/2014/main" id="{2F4BC69E-CE3D-F0CE-98ED-FA32A3582E63}"/>
+                <a16:creationId xmlns:a16="http://schemas.microsoft.com/office/drawing/2014/main" id="{B9789E69-2AB0-3C93-5090-806902A73333}"/>
               </a:ext>
             </a:extLst>
           </p:cNvPr>
@@ -450,7 +450,7 @@
           <a:bodyPr/>
           <a:lstStyle/>
           <a:p>
-            <a:fld id="{D66873F9-F4F6-456D-A0A5-F6D781EC8051}" type="datetimeFigureOut">
+            <a:fld id="{EC0A6D18-8F16-4062-8124-075BE2883A06}" type="datetimeFigureOut">
               <a:rPr lang="zh-CN" altLang="en-US" smtClean="0"/>
               <a:t>2024/3/10</a:t>
             </a:fld>
@@ -463,7 +463,7 @@
           <p:cNvPr id="5" name="页脚占位符 4">
             <a:extLst>
               <a:ext uri="{FF2B5EF4-FFF2-40B4-BE49-F238E27FC236}">
-                <a16:creationId xmlns:a16="http://schemas.microsoft.com/office/drawing/2014/main" id="{9CD1F8E4-6CB5-9759-09A3-C754F7483CF3}"/>
+                <a16:creationId xmlns:a16="http://schemas.microsoft.com/office/drawing/2014/main" id="{9D1DF279-887B-58A8-0A9D-42D9FE722250}"/>
               </a:ext>
             </a:extLst>
           </p:cNvPr>
@@ -488,7 +488,7 @@
           <p:cNvPr id="6" name="灯片编号占位符 5">
             <a:extLst>
               <a:ext uri="{FF2B5EF4-FFF2-40B4-BE49-F238E27FC236}">
-                <a16:creationId xmlns:a16="http://schemas.microsoft.com/office/drawing/2014/main" id="{CDD7F49A-65F4-F069-7EE4-89C91A008A35}"/>
+                <a16:creationId xmlns:a16="http://schemas.microsoft.com/office/drawing/2014/main" id="{FA0421E3-948A-1A88-998A-DC424CD1E2BB}"/>
               </a:ext>
             </a:extLst>
           </p:cNvPr>
@@ -504,7 +504,7 @@
           <a:bodyPr/>
           <a:lstStyle/>
           <a:p>
-            <a:fld id="{8508B47B-8C01-4703-9395-438242E14518}" type="slidenum">
+            <a:fld id="{CC8EF511-A96B-4783-9CE7-8163997CB056}" type="slidenum">
               <a:rPr lang="zh-CN" altLang="en-US" smtClean="0"/>
               <a:t>‹#›</a:t>
             </a:fld>
@@ -515,7 +515,7 @@
     </p:spTree>
     <p:extLst>
       <p:ext uri="{BB962C8B-B14F-4D97-AF65-F5344CB8AC3E}">
-        <p14:creationId xmlns:p14="http://schemas.microsoft.com/office/powerpoint/2010/main" val="1928167714"/>
+        <p14:creationId xmlns:p14="http://schemas.microsoft.com/office/powerpoint/2010/main" val="1802594129"/>
       </p:ext>
     </p:extLst>
   </p:cSld>
@@ -547,7 +547,7 @@
           <p:cNvPr id="2" name="竖排标题 1">
             <a:extLst>
               <a:ext uri="{FF2B5EF4-FFF2-40B4-BE49-F238E27FC236}">
-                <a16:creationId xmlns:a16="http://schemas.microsoft.com/office/drawing/2014/main" id="{64883CA6-A9E1-28D4-118F-8F08B4FB328A}"/>
+                <a16:creationId xmlns:a16="http://schemas.microsoft.com/office/drawing/2014/main" id="{28CA1E68-3C39-7B5D-DDB3-803862C101F4}"/>
               </a:ext>
             </a:extLst>
           </p:cNvPr>
@@ -580,7 +580,7 @@
           <p:cNvPr id="3" name="竖排文字占位符 2">
             <a:extLst>
               <a:ext uri="{FF2B5EF4-FFF2-40B4-BE49-F238E27FC236}">
-                <a16:creationId xmlns:a16="http://schemas.microsoft.com/office/drawing/2014/main" id="{B4CE3FED-A8FB-AC4E-3A9A-BEDC49F4431C}"/>
+                <a16:creationId xmlns:a16="http://schemas.microsoft.com/office/drawing/2014/main" id="{7A9ED4DF-940D-C381-7B9B-F8911810783C}"/>
               </a:ext>
             </a:extLst>
           </p:cNvPr>
@@ -642,7 +642,7 @@
           <p:cNvPr id="4" name="日期占位符 3">
             <a:extLst>
               <a:ext uri="{FF2B5EF4-FFF2-40B4-BE49-F238E27FC236}">
-                <a16:creationId xmlns:a16="http://schemas.microsoft.com/office/drawing/2014/main" id="{FC6044CA-9C18-7239-9CD7-FE1B7A8AD2E2}"/>
+                <a16:creationId xmlns:a16="http://schemas.microsoft.com/office/drawing/2014/main" id="{4F600F36-2ED4-A752-572F-AA6E3DFD8A93}"/>
               </a:ext>
             </a:extLst>
           </p:cNvPr>
@@ -658,7 +658,7 @@
           <a:bodyPr/>
           <a:lstStyle/>
           <a:p>
-            <a:fld id="{D66873F9-F4F6-456D-A0A5-F6D781EC8051}" type="datetimeFigureOut">
+            <a:fld id="{EC0A6D18-8F16-4062-8124-075BE2883A06}" type="datetimeFigureOut">
               <a:rPr lang="zh-CN" altLang="en-US" smtClean="0"/>
               <a:t>2024/3/10</a:t>
             </a:fld>
@@ -671,7 +671,7 @@
           <p:cNvPr id="5" name="页脚占位符 4">
             <a:extLst>
               <a:ext uri="{FF2B5EF4-FFF2-40B4-BE49-F238E27FC236}">
-                <a16:creationId xmlns:a16="http://schemas.microsoft.com/office/drawing/2014/main" id="{D19EB889-FB72-5211-0FDD-3670F19CD953}"/>
+                <a16:creationId xmlns:a16="http://schemas.microsoft.com/office/drawing/2014/main" id="{F9BA8C65-33D8-BB18-BBA8-8A26F9B419FD}"/>
               </a:ext>
             </a:extLst>
           </p:cNvPr>
@@ -696,7 +696,7 @@
           <p:cNvPr id="6" name="灯片编号占位符 5">
             <a:extLst>
               <a:ext uri="{FF2B5EF4-FFF2-40B4-BE49-F238E27FC236}">
-                <a16:creationId xmlns:a16="http://schemas.microsoft.com/office/drawing/2014/main" id="{B69AE49C-FF9D-1D4F-BFC8-93950B37F74B}"/>
+                <a16:creationId xmlns:a16="http://schemas.microsoft.com/office/drawing/2014/main" id="{5545EE3F-EA9E-38E6-AB79-05AE0E084FC4}"/>
               </a:ext>
             </a:extLst>
           </p:cNvPr>
@@ -712,7 +712,7 @@
           <a:bodyPr/>
           <a:lstStyle/>
           <a:p>
-            <a:fld id="{8508B47B-8C01-4703-9395-438242E14518}" type="slidenum">
+            <a:fld id="{CC8EF511-A96B-4783-9CE7-8163997CB056}" type="slidenum">
               <a:rPr lang="zh-CN" altLang="en-US" smtClean="0"/>
               <a:t>‹#›</a:t>
             </a:fld>
@@ -723,7 +723,7 @@
     </p:spTree>
     <p:extLst>
       <p:ext uri="{BB962C8B-B14F-4D97-AF65-F5344CB8AC3E}">
-        <p14:creationId xmlns:p14="http://schemas.microsoft.com/office/powerpoint/2010/main" val="303413571"/>
+        <p14:creationId xmlns:p14="http://schemas.microsoft.com/office/powerpoint/2010/main" val="1963877232"/>
       </p:ext>
     </p:extLst>
   </p:cSld>
@@ -755,7 +755,7 @@
           <p:cNvPr id="2" name="标题 1">
             <a:extLst>
               <a:ext uri="{FF2B5EF4-FFF2-40B4-BE49-F238E27FC236}">
-                <a16:creationId xmlns:a16="http://schemas.microsoft.com/office/drawing/2014/main" id="{13AA1063-A7DE-7006-2CFC-B992EF8B55B1}"/>
+                <a16:creationId xmlns:a16="http://schemas.microsoft.com/office/drawing/2014/main" id="{5DB44C8B-BDF8-D3A9-738D-0A3A804354E0}"/>
               </a:ext>
             </a:extLst>
           </p:cNvPr>
@@ -783,7 +783,7 @@
           <p:cNvPr id="3" name="内容占位符 2">
             <a:extLst>
               <a:ext uri="{FF2B5EF4-FFF2-40B4-BE49-F238E27FC236}">
-                <a16:creationId xmlns:a16="http://schemas.microsoft.com/office/drawing/2014/main" id="{7D524688-B202-4DAC-FCB5-2B6094EE0F3A}"/>
+                <a16:creationId xmlns:a16="http://schemas.microsoft.com/office/drawing/2014/main" id="{915FE78C-4E72-F3DD-86FA-A7CD7D1EAAC6}"/>
               </a:ext>
             </a:extLst>
           </p:cNvPr>
@@ -840,7 +840,7 @@
           <p:cNvPr id="4" name="日期占位符 3">
             <a:extLst>
               <a:ext uri="{FF2B5EF4-FFF2-40B4-BE49-F238E27FC236}">
-                <a16:creationId xmlns:a16="http://schemas.microsoft.com/office/drawing/2014/main" id="{B235EB13-19D2-9AE1-C63E-C7EABC54E5FD}"/>
+                <a16:creationId xmlns:a16="http://schemas.microsoft.com/office/drawing/2014/main" id="{D10A3F2B-C795-C638-0E2B-BB7D95EB2150}"/>
               </a:ext>
             </a:extLst>
           </p:cNvPr>
@@ -856,7 +856,7 @@
           <a:bodyPr/>
           <a:lstStyle/>
           <a:p>
-            <a:fld id="{D66873F9-F4F6-456D-A0A5-F6D781EC8051}" type="datetimeFigureOut">
+            <a:fld id="{EC0A6D18-8F16-4062-8124-075BE2883A06}" type="datetimeFigureOut">
               <a:rPr lang="zh-CN" altLang="en-US" smtClean="0"/>
               <a:t>2024/3/10</a:t>
             </a:fld>
@@ -869,7 +869,7 @@
           <p:cNvPr id="5" name="页脚占位符 4">
             <a:extLst>
               <a:ext uri="{FF2B5EF4-FFF2-40B4-BE49-F238E27FC236}">
-                <a16:creationId xmlns:a16="http://schemas.microsoft.com/office/drawing/2014/main" id="{DE046F37-40FE-119C-3316-2520DFB55BAC}"/>
+                <a16:creationId xmlns:a16="http://schemas.microsoft.com/office/drawing/2014/main" id="{7D56D050-24A5-3AF9-6E21-590623B77A37}"/>
               </a:ext>
             </a:extLst>
           </p:cNvPr>
@@ -894,7 +894,7 @@
           <p:cNvPr id="6" name="灯片编号占位符 5">
             <a:extLst>
               <a:ext uri="{FF2B5EF4-FFF2-40B4-BE49-F238E27FC236}">
-                <a16:creationId xmlns:a16="http://schemas.microsoft.com/office/drawing/2014/main" id="{A7DC6758-082D-9947-F4B1-8462E95BBDD1}"/>
+                <a16:creationId xmlns:a16="http://schemas.microsoft.com/office/drawing/2014/main" id="{9277CE3F-340B-8C25-9A2C-85D862C0A9B6}"/>
               </a:ext>
             </a:extLst>
           </p:cNvPr>
@@ -910,7 +910,7 @@
           <a:bodyPr/>
           <a:lstStyle/>
           <a:p>
-            <a:fld id="{8508B47B-8C01-4703-9395-438242E14518}" type="slidenum">
+            <a:fld id="{CC8EF511-A96B-4783-9CE7-8163997CB056}" type="slidenum">
               <a:rPr lang="zh-CN" altLang="en-US" smtClean="0"/>
               <a:t>‹#›</a:t>
             </a:fld>
@@ -921,7 +921,7 @@
     </p:spTree>
     <p:extLst>
       <p:ext uri="{BB962C8B-B14F-4D97-AF65-F5344CB8AC3E}">
-        <p14:creationId xmlns:p14="http://schemas.microsoft.com/office/powerpoint/2010/main" val="563001721"/>
+        <p14:creationId xmlns:p14="http://schemas.microsoft.com/office/powerpoint/2010/main" val="4114638052"/>
       </p:ext>
     </p:extLst>
   </p:cSld>
@@ -953,7 +953,7 @@
           <p:cNvPr id="2" name="标题 1">
             <a:extLst>
               <a:ext uri="{FF2B5EF4-FFF2-40B4-BE49-F238E27FC236}">
-                <a16:creationId xmlns:a16="http://schemas.microsoft.com/office/drawing/2014/main" id="{A9F957D6-198A-FA2E-8EF4-767C6E882FC0}"/>
+                <a16:creationId xmlns:a16="http://schemas.microsoft.com/office/drawing/2014/main" id="{B833E28F-1542-BD30-AA23-91F04E8B1BD1}"/>
               </a:ext>
             </a:extLst>
           </p:cNvPr>
@@ -990,7 +990,7 @@
           <p:cNvPr id="3" name="文本占位符 2">
             <a:extLst>
               <a:ext uri="{FF2B5EF4-FFF2-40B4-BE49-F238E27FC236}">
-                <a16:creationId xmlns:a16="http://schemas.microsoft.com/office/drawing/2014/main" id="{8C448568-9EC1-2EE6-07F3-5BE13606BACF}"/>
+                <a16:creationId xmlns:a16="http://schemas.microsoft.com/office/drawing/2014/main" id="{B80303B7-EFBE-1E5C-602C-E8C4A7363AB8}"/>
               </a:ext>
             </a:extLst>
           </p:cNvPr>
@@ -1115,7 +1115,7 @@
           <p:cNvPr id="4" name="日期占位符 3">
             <a:extLst>
               <a:ext uri="{FF2B5EF4-FFF2-40B4-BE49-F238E27FC236}">
-                <a16:creationId xmlns:a16="http://schemas.microsoft.com/office/drawing/2014/main" id="{0D5E3486-91DA-6EA7-6C81-59FAB9C3EFAB}"/>
+                <a16:creationId xmlns:a16="http://schemas.microsoft.com/office/drawing/2014/main" id="{D98CA42D-AB64-1ED8-DB9C-BD21C324F26C}"/>
               </a:ext>
             </a:extLst>
           </p:cNvPr>
@@ -1131,7 +1131,7 @@
           <a:bodyPr/>
           <a:lstStyle/>
           <a:p>
-            <a:fld id="{D66873F9-F4F6-456D-A0A5-F6D781EC8051}" type="datetimeFigureOut">
+            <a:fld id="{EC0A6D18-8F16-4062-8124-075BE2883A06}" type="datetimeFigureOut">
               <a:rPr lang="zh-CN" altLang="en-US" smtClean="0"/>
               <a:t>2024/3/10</a:t>
             </a:fld>
@@ -1144,7 +1144,7 @@
           <p:cNvPr id="5" name="页脚占位符 4">
             <a:extLst>
               <a:ext uri="{FF2B5EF4-FFF2-40B4-BE49-F238E27FC236}">
-                <a16:creationId xmlns:a16="http://schemas.microsoft.com/office/drawing/2014/main" id="{2E84B43B-D66C-67D4-E3F7-52E36F21D893}"/>
+                <a16:creationId xmlns:a16="http://schemas.microsoft.com/office/drawing/2014/main" id="{4AAB8736-7DBF-53E2-CD01-CB397425C3CB}"/>
               </a:ext>
             </a:extLst>
           </p:cNvPr>
@@ -1169,7 +1169,7 @@
           <p:cNvPr id="6" name="灯片编号占位符 5">
             <a:extLst>
               <a:ext uri="{FF2B5EF4-FFF2-40B4-BE49-F238E27FC236}">
-                <a16:creationId xmlns:a16="http://schemas.microsoft.com/office/drawing/2014/main" id="{311EC043-B6EC-87ED-792F-49A92D276F23}"/>
+                <a16:creationId xmlns:a16="http://schemas.microsoft.com/office/drawing/2014/main" id="{39E38012-501F-FBF9-F119-27D4A855F05E}"/>
               </a:ext>
             </a:extLst>
           </p:cNvPr>
@@ -1185,7 +1185,7 @@
           <a:bodyPr/>
           <a:lstStyle/>
           <a:p>
-            <a:fld id="{8508B47B-8C01-4703-9395-438242E14518}" type="slidenum">
+            <a:fld id="{CC8EF511-A96B-4783-9CE7-8163997CB056}" type="slidenum">
               <a:rPr lang="zh-CN" altLang="en-US" smtClean="0"/>
               <a:t>‹#›</a:t>
             </a:fld>
@@ -1196,7 +1196,7 @@
     </p:spTree>
     <p:extLst>
       <p:ext uri="{BB962C8B-B14F-4D97-AF65-F5344CB8AC3E}">
-        <p14:creationId xmlns:p14="http://schemas.microsoft.com/office/powerpoint/2010/main" val="1709971374"/>
+        <p14:creationId xmlns:p14="http://schemas.microsoft.com/office/powerpoint/2010/main" val="3825986700"/>
       </p:ext>
     </p:extLst>
   </p:cSld>
@@ -1228,7 +1228,7 @@
           <p:cNvPr id="2" name="标题 1">
             <a:extLst>
               <a:ext uri="{FF2B5EF4-FFF2-40B4-BE49-F238E27FC236}">
-                <a16:creationId xmlns:a16="http://schemas.microsoft.com/office/drawing/2014/main" id="{EB6A0546-2EA5-5730-5C87-283019E5F485}"/>
+                <a16:creationId xmlns:a16="http://schemas.microsoft.com/office/drawing/2014/main" id="{BBBE5246-B910-0FEB-AF9B-25980B1D83CC}"/>
               </a:ext>
             </a:extLst>
           </p:cNvPr>
@@ -1256,7 +1256,7 @@
           <p:cNvPr id="3" name="内容占位符 2">
             <a:extLst>
               <a:ext uri="{FF2B5EF4-FFF2-40B4-BE49-F238E27FC236}">
-                <a16:creationId xmlns:a16="http://schemas.microsoft.com/office/drawing/2014/main" id="{C6890418-9B68-F180-CCF6-BAD4C241ABC1}"/>
+                <a16:creationId xmlns:a16="http://schemas.microsoft.com/office/drawing/2014/main" id="{B16642CC-2DA1-7361-70F7-E0EA5DCA2DD8}"/>
               </a:ext>
             </a:extLst>
           </p:cNvPr>
@@ -1318,7 +1318,7 @@
           <p:cNvPr id="4" name="内容占位符 3">
             <a:extLst>
               <a:ext uri="{FF2B5EF4-FFF2-40B4-BE49-F238E27FC236}">
-                <a16:creationId xmlns:a16="http://schemas.microsoft.com/office/drawing/2014/main" id="{BE8E3CBE-4E9F-7AB5-8AFC-52C9C7B94985}"/>
+                <a16:creationId xmlns:a16="http://schemas.microsoft.com/office/drawing/2014/main" id="{941147C8-7F6E-3E78-7E1C-9DE6E2AB8CC0}"/>
               </a:ext>
             </a:extLst>
           </p:cNvPr>
@@ -1380,7 +1380,7 @@
           <p:cNvPr id="5" name="日期占位符 4">
             <a:extLst>
               <a:ext uri="{FF2B5EF4-FFF2-40B4-BE49-F238E27FC236}">
-                <a16:creationId xmlns:a16="http://schemas.microsoft.com/office/drawing/2014/main" id="{73D34EAF-7253-FCCE-659B-0DCFF2FA1289}"/>
+                <a16:creationId xmlns:a16="http://schemas.microsoft.com/office/drawing/2014/main" id="{F506837C-553A-B06D-7641-29C25BB799DE}"/>
               </a:ext>
             </a:extLst>
           </p:cNvPr>
@@ -1396,7 +1396,7 @@
           <a:bodyPr/>
           <a:lstStyle/>
           <a:p>
-            <a:fld id="{D66873F9-F4F6-456D-A0A5-F6D781EC8051}" type="datetimeFigureOut">
+            <a:fld id="{EC0A6D18-8F16-4062-8124-075BE2883A06}" type="datetimeFigureOut">
               <a:rPr lang="zh-CN" altLang="en-US" smtClean="0"/>
               <a:t>2024/3/10</a:t>
             </a:fld>
@@ -1409,7 +1409,7 @@
           <p:cNvPr id="6" name="页脚占位符 5">
             <a:extLst>
               <a:ext uri="{FF2B5EF4-FFF2-40B4-BE49-F238E27FC236}">
-                <a16:creationId xmlns:a16="http://schemas.microsoft.com/office/drawing/2014/main" id="{0E713B4A-0727-874F-93FA-FD315D2FA1B2}"/>
+                <a16:creationId xmlns:a16="http://schemas.microsoft.com/office/drawing/2014/main" id="{61F36A77-2268-07E0-B365-A940B94C44CF}"/>
               </a:ext>
             </a:extLst>
           </p:cNvPr>
@@ -1434,7 +1434,7 @@
           <p:cNvPr id="7" name="灯片编号占位符 6">
             <a:extLst>
               <a:ext uri="{FF2B5EF4-FFF2-40B4-BE49-F238E27FC236}">
-                <a16:creationId xmlns:a16="http://schemas.microsoft.com/office/drawing/2014/main" id="{83654D84-9EE6-97AA-BFE5-F974DAA877AF}"/>
+                <a16:creationId xmlns:a16="http://schemas.microsoft.com/office/drawing/2014/main" id="{FB3D4198-4FDB-FE50-1BB9-F923139CECB9}"/>
               </a:ext>
             </a:extLst>
           </p:cNvPr>
@@ -1450,7 +1450,7 @@
           <a:bodyPr/>
           <a:lstStyle/>
           <a:p>
-            <a:fld id="{8508B47B-8C01-4703-9395-438242E14518}" type="slidenum">
+            <a:fld id="{CC8EF511-A96B-4783-9CE7-8163997CB056}" type="slidenum">
               <a:rPr lang="zh-CN" altLang="en-US" smtClean="0"/>
               <a:t>‹#›</a:t>
             </a:fld>
@@ -1461,7 +1461,7 @@
     </p:spTree>
     <p:extLst>
       <p:ext uri="{BB962C8B-B14F-4D97-AF65-F5344CB8AC3E}">
-        <p14:creationId xmlns:p14="http://schemas.microsoft.com/office/powerpoint/2010/main" val="2600584162"/>
+        <p14:creationId xmlns:p14="http://schemas.microsoft.com/office/powerpoint/2010/main" val="4228010242"/>
       </p:ext>
     </p:extLst>
   </p:cSld>
@@ -1493,7 +1493,7 @@
           <p:cNvPr id="2" name="标题 1">
             <a:extLst>
               <a:ext uri="{FF2B5EF4-FFF2-40B4-BE49-F238E27FC236}">
-                <a16:creationId xmlns:a16="http://schemas.microsoft.com/office/drawing/2014/main" id="{2A662478-C1E3-8713-A654-8A41A94388CD}"/>
+                <a16:creationId xmlns:a16="http://schemas.microsoft.com/office/drawing/2014/main" id="{225FFE8D-4B13-17AD-35C0-D433548196E1}"/>
               </a:ext>
             </a:extLst>
           </p:cNvPr>
@@ -1526,7 +1526,7 @@
           <p:cNvPr id="3" name="文本占位符 2">
             <a:extLst>
               <a:ext uri="{FF2B5EF4-FFF2-40B4-BE49-F238E27FC236}">
-                <a16:creationId xmlns:a16="http://schemas.microsoft.com/office/drawing/2014/main" id="{F4EE8AFA-EBD0-98A7-8631-5BDCEC819641}"/>
+                <a16:creationId xmlns:a16="http://schemas.microsoft.com/office/drawing/2014/main" id="{64A4D319-6B44-2496-98D8-B8D637265053}"/>
               </a:ext>
             </a:extLst>
           </p:cNvPr>
@@ -1597,7 +1597,7 @@
           <p:cNvPr id="4" name="内容占位符 3">
             <a:extLst>
               <a:ext uri="{FF2B5EF4-FFF2-40B4-BE49-F238E27FC236}">
-                <a16:creationId xmlns:a16="http://schemas.microsoft.com/office/drawing/2014/main" id="{BE95D1E6-58E1-9062-96E5-504062364736}"/>
+                <a16:creationId xmlns:a16="http://schemas.microsoft.com/office/drawing/2014/main" id="{D688D2DE-F3EA-0BBF-D75C-F22490925A51}"/>
               </a:ext>
             </a:extLst>
           </p:cNvPr>
@@ -1659,7 +1659,7 @@
           <p:cNvPr id="5" name="文本占位符 4">
             <a:extLst>
               <a:ext uri="{FF2B5EF4-FFF2-40B4-BE49-F238E27FC236}">
-                <a16:creationId xmlns:a16="http://schemas.microsoft.com/office/drawing/2014/main" id="{55ED8800-784F-A237-3906-280E2F7EA28B}"/>
+                <a16:creationId xmlns:a16="http://schemas.microsoft.com/office/drawing/2014/main" id="{EC8CFF2A-D2B9-20FC-2337-CDB96889AA76}"/>
               </a:ext>
             </a:extLst>
           </p:cNvPr>
@@ -1730,7 +1730,7 @@
           <p:cNvPr id="6" name="内容占位符 5">
             <a:extLst>
               <a:ext uri="{FF2B5EF4-FFF2-40B4-BE49-F238E27FC236}">
-                <a16:creationId xmlns:a16="http://schemas.microsoft.com/office/drawing/2014/main" id="{8FA54A4C-2759-FBC9-BA64-4E10C3D916B4}"/>
+                <a16:creationId xmlns:a16="http://schemas.microsoft.com/office/drawing/2014/main" id="{FD14E22D-75FB-82DC-6987-ED3DAB87BC5F}"/>
               </a:ext>
             </a:extLst>
           </p:cNvPr>
@@ -1792,7 +1792,7 @@
           <p:cNvPr id="7" name="日期占位符 6">
             <a:extLst>
               <a:ext uri="{FF2B5EF4-FFF2-40B4-BE49-F238E27FC236}">
-                <a16:creationId xmlns:a16="http://schemas.microsoft.com/office/drawing/2014/main" id="{4E26C662-6EEB-8B8F-8D25-D3CF530536A1}"/>
+                <a16:creationId xmlns:a16="http://schemas.microsoft.com/office/drawing/2014/main" id="{088C04A2-E8DB-1EAF-E764-754C72EE7B3A}"/>
               </a:ext>
             </a:extLst>
           </p:cNvPr>
@@ -1808,7 +1808,7 @@
           <a:bodyPr/>
           <a:lstStyle/>
           <a:p>
-            <a:fld id="{D66873F9-F4F6-456D-A0A5-F6D781EC8051}" type="datetimeFigureOut">
+            <a:fld id="{EC0A6D18-8F16-4062-8124-075BE2883A06}" type="datetimeFigureOut">
               <a:rPr lang="zh-CN" altLang="en-US" smtClean="0"/>
               <a:t>2024/3/10</a:t>
             </a:fld>
@@ -1821,7 +1821,7 @@
           <p:cNvPr id="8" name="页脚占位符 7">
             <a:extLst>
               <a:ext uri="{FF2B5EF4-FFF2-40B4-BE49-F238E27FC236}">
-                <a16:creationId xmlns:a16="http://schemas.microsoft.com/office/drawing/2014/main" id="{E52399DD-4EE0-E88B-4F28-2917D1A28F1F}"/>
+                <a16:creationId xmlns:a16="http://schemas.microsoft.com/office/drawing/2014/main" id="{E4B0A5CB-E951-554D-4616-1E69D605AB56}"/>
               </a:ext>
             </a:extLst>
           </p:cNvPr>
@@ -1846,7 +1846,7 @@
           <p:cNvPr id="9" name="灯片编号占位符 8">
             <a:extLst>
               <a:ext uri="{FF2B5EF4-FFF2-40B4-BE49-F238E27FC236}">
-                <a16:creationId xmlns:a16="http://schemas.microsoft.com/office/drawing/2014/main" id="{9BDD3D4F-EC5D-8C8B-90B6-B4203F0C155E}"/>
+                <a16:creationId xmlns:a16="http://schemas.microsoft.com/office/drawing/2014/main" id="{48E29936-79EA-82F3-501F-2503EA38B17C}"/>
               </a:ext>
             </a:extLst>
           </p:cNvPr>
@@ -1862,7 +1862,7 @@
           <a:bodyPr/>
           <a:lstStyle/>
           <a:p>
-            <a:fld id="{8508B47B-8C01-4703-9395-438242E14518}" type="slidenum">
+            <a:fld id="{CC8EF511-A96B-4783-9CE7-8163997CB056}" type="slidenum">
               <a:rPr lang="zh-CN" altLang="en-US" smtClean="0"/>
               <a:t>‹#›</a:t>
             </a:fld>
@@ -1873,7 +1873,7 @@
     </p:spTree>
     <p:extLst>
       <p:ext uri="{BB962C8B-B14F-4D97-AF65-F5344CB8AC3E}">
-        <p14:creationId xmlns:p14="http://schemas.microsoft.com/office/powerpoint/2010/main" val="607994003"/>
+        <p14:creationId xmlns:p14="http://schemas.microsoft.com/office/powerpoint/2010/main" val="372067958"/>
       </p:ext>
     </p:extLst>
   </p:cSld>
@@ -1905,7 +1905,7 @@
           <p:cNvPr id="2" name="标题 1">
             <a:extLst>
               <a:ext uri="{FF2B5EF4-FFF2-40B4-BE49-F238E27FC236}">
-                <a16:creationId xmlns:a16="http://schemas.microsoft.com/office/drawing/2014/main" id="{606271C5-5142-1594-F8C6-FC70DA503BF3}"/>
+                <a16:creationId xmlns:a16="http://schemas.microsoft.com/office/drawing/2014/main" id="{39B67A69-A4CB-60B3-0A03-C90BBED61473}"/>
               </a:ext>
             </a:extLst>
           </p:cNvPr>
@@ -1933,7 +1933,7 @@
           <p:cNvPr id="3" name="日期占位符 2">
             <a:extLst>
               <a:ext uri="{FF2B5EF4-FFF2-40B4-BE49-F238E27FC236}">
-                <a16:creationId xmlns:a16="http://schemas.microsoft.com/office/drawing/2014/main" id="{8366FE0E-5729-7CEF-54D0-0F814CFC9AF7}"/>
+                <a16:creationId xmlns:a16="http://schemas.microsoft.com/office/drawing/2014/main" id="{77D977E5-47B3-FC8C-0DEA-A7A2FF0828C7}"/>
               </a:ext>
             </a:extLst>
           </p:cNvPr>
@@ -1949,7 +1949,7 @@
           <a:bodyPr/>
           <a:lstStyle/>
           <a:p>
-            <a:fld id="{D66873F9-F4F6-456D-A0A5-F6D781EC8051}" type="datetimeFigureOut">
+            <a:fld id="{EC0A6D18-8F16-4062-8124-075BE2883A06}" type="datetimeFigureOut">
               <a:rPr lang="zh-CN" altLang="en-US" smtClean="0"/>
               <a:t>2024/3/10</a:t>
             </a:fld>
@@ -1962,7 +1962,7 @@
           <p:cNvPr id="4" name="页脚占位符 3">
             <a:extLst>
               <a:ext uri="{FF2B5EF4-FFF2-40B4-BE49-F238E27FC236}">
-                <a16:creationId xmlns:a16="http://schemas.microsoft.com/office/drawing/2014/main" id="{F6226CEC-8979-FD9D-6CB4-F5E34CFDE86F}"/>
+                <a16:creationId xmlns:a16="http://schemas.microsoft.com/office/drawing/2014/main" id="{66D8AD4D-005B-2C20-4730-03F20FA0DDF9}"/>
               </a:ext>
             </a:extLst>
           </p:cNvPr>
@@ -1987,7 +1987,7 @@
           <p:cNvPr id="5" name="灯片编号占位符 4">
             <a:extLst>
               <a:ext uri="{FF2B5EF4-FFF2-40B4-BE49-F238E27FC236}">
-                <a16:creationId xmlns:a16="http://schemas.microsoft.com/office/drawing/2014/main" id="{8324BDF8-11ED-73F7-21C1-9C2E8277FF5A}"/>
+                <a16:creationId xmlns:a16="http://schemas.microsoft.com/office/drawing/2014/main" id="{B7DD7AFE-015F-B256-BEF3-B52E88F0FB55}"/>
               </a:ext>
             </a:extLst>
           </p:cNvPr>
@@ -2003,7 +2003,7 @@
           <a:bodyPr/>
           <a:lstStyle/>
           <a:p>
-            <a:fld id="{8508B47B-8C01-4703-9395-438242E14518}" type="slidenum">
+            <a:fld id="{CC8EF511-A96B-4783-9CE7-8163997CB056}" type="slidenum">
               <a:rPr lang="zh-CN" altLang="en-US" smtClean="0"/>
               <a:t>‹#›</a:t>
             </a:fld>
@@ -2014,7 +2014,7 @@
     </p:spTree>
     <p:extLst>
       <p:ext uri="{BB962C8B-B14F-4D97-AF65-F5344CB8AC3E}">
-        <p14:creationId xmlns:p14="http://schemas.microsoft.com/office/powerpoint/2010/main" val="3781173057"/>
+        <p14:creationId xmlns:p14="http://schemas.microsoft.com/office/powerpoint/2010/main" val="1924758713"/>
       </p:ext>
     </p:extLst>
   </p:cSld>
@@ -2046,7 +2046,7 @@
           <p:cNvPr id="2" name="日期占位符 1">
             <a:extLst>
               <a:ext uri="{FF2B5EF4-FFF2-40B4-BE49-F238E27FC236}">
-                <a16:creationId xmlns:a16="http://schemas.microsoft.com/office/drawing/2014/main" id="{2411FB87-2E0E-14E9-A602-9AF4E4DE8F39}"/>
+                <a16:creationId xmlns:a16="http://schemas.microsoft.com/office/drawing/2014/main" id="{C5B4C76D-D070-BB78-3A4E-0D199760C09A}"/>
               </a:ext>
             </a:extLst>
           </p:cNvPr>
@@ -2062,7 +2062,7 @@
           <a:bodyPr/>
           <a:lstStyle/>
           <a:p>
-            <a:fld id="{D66873F9-F4F6-456D-A0A5-F6D781EC8051}" type="datetimeFigureOut">
+            <a:fld id="{EC0A6D18-8F16-4062-8124-075BE2883A06}" type="datetimeFigureOut">
               <a:rPr lang="zh-CN" altLang="en-US" smtClean="0"/>
               <a:t>2024/3/10</a:t>
             </a:fld>
@@ -2075,7 +2075,7 @@
           <p:cNvPr id="3" name="页脚占位符 2">
             <a:extLst>
               <a:ext uri="{FF2B5EF4-FFF2-40B4-BE49-F238E27FC236}">
-                <a16:creationId xmlns:a16="http://schemas.microsoft.com/office/drawing/2014/main" id="{6A3158D9-C59A-DDB4-D7B6-2939BCEF6016}"/>
+                <a16:creationId xmlns:a16="http://schemas.microsoft.com/office/drawing/2014/main" id="{BD634650-BF0C-0D21-9DDC-17117CA50CAC}"/>
               </a:ext>
             </a:extLst>
           </p:cNvPr>
@@ -2100,7 +2100,7 @@
           <p:cNvPr id="4" name="灯片编号占位符 3">
             <a:extLst>
               <a:ext uri="{FF2B5EF4-FFF2-40B4-BE49-F238E27FC236}">
-                <a16:creationId xmlns:a16="http://schemas.microsoft.com/office/drawing/2014/main" id="{9A4CA240-A5FC-95EE-78FB-15D1F3C50CA8}"/>
+                <a16:creationId xmlns:a16="http://schemas.microsoft.com/office/drawing/2014/main" id="{6FE04C33-5B43-1095-FD3A-D767797C526B}"/>
               </a:ext>
             </a:extLst>
           </p:cNvPr>
@@ -2116,7 +2116,7 @@
           <a:bodyPr/>
           <a:lstStyle/>
           <a:p>
-            <a:fld id="{8508B47B-8C01-4703-9395-438242E14518}" type="slidenum">
+            <a:fld id="{CC8EF511-A96B-4783-9CE7-8163997CB056}" type="slidenum">
               <a:rPr lang="zh-CN" altLang="en-US" smtClean="0"/>
               <a:t>‹#›</a:t>
             </a:fld>
@@ -2127,7 +2127,7 @@
     </p:spTree>
     <p:extLst>
       <p:ext uri="{BB962C8B-B14F-4D97-AF65-F5344CB8AC3E}">
-        <p14:creationId xmlns:p14="http://schemas.microsoft.com/office/powerpoint/2010/main" val="3117226490"/>
+        <p14:creationId xmlns:p14="http://schemas.microsoft.com/office/powerpoint/2010/main" val="3453884490"/>
       </p:ext>
     </p:extLst>
   </p:cSld>
@@ -2159,7 +2159,7 @@
           <p:cNvPr id="2" name="标题 1">
             <a:extLst>
               <a:ext uri="{FF2B5EF4-FFF2-40B4-BE49-F238E27FC236}">
-                <a16:creationId xmlns:a16="http://schemas.microsoft.com/office/drawing/2014/main" id="{976CE739-CABC-99B7-53D7-7ABCB32866BD}"/>
+                <a16:creationId xmlns:a16="http://schemas.microsoft.com/office/drawing/2014/main" id="{B6828B55-5AF0-39ED-A03D-CD9BDD427038}"/>
               </a:ext>
             </a:extLst>
           </p:cNvPr>
@@ -2196,7 +2196,7 @@
           <p:cNvPr id="3" name="内容占位符 2">
             <a:extLst>
               <a:ext uri="{FF2B5EF4-FFF2-40B4-BE49-F238E27FC236}">
-                <a16:creationId xmlns:a16="http://schemas.microsoft.com/office/drawing/2014/main" id="{BA711B76-AC36-8309-58F2-3DA5B084DB3D}"/>
+                <a16:creationId xmlns:a16="http://schemas.microsoft.com/office/drawing/2014/main" id="{2284C94D-4933-ADFF-1B0A-933D21EF252A}"/>
               </a:ext>
             </a:extLst>
           </p:cNvPr>
@@ -2286,7 +2286,7 @@
           <p:cNvPr id="4" name="文本占位符 3">
             <a:extLst>
               <a:ext uri="{FF2B5EF4-FFF2-40B4-BE49-F238E27FC236}">
-                <a16:creationId xmlns:a16="http://schemas.microsoft.com/office/drawing/2014/main" id="{530DB3E9-313A-39D2-0F2F-0ED855B262CF}"/>
+                <a16:creationId xmlns:a16="http://schemas.microsoft.com/office/drawing/2014/main" id="{6FC802DB-9F19-C331-69E1-5388A73ACAAF}"/>
               </a:ext>
             </a:extLst>
           </p:cNvPr>
@@ -2357,7 +2357,7 @@
           <p:cNvPr id="5" name="日期占位符 4">
             <a:extLst>
               <a:ext uri="{FF2B5EF4-FFF2-40B4-BE49-F238E27FC236}">
-                <a16:creationId xmlns:a16="http://schemas.microsoft.com/office/drawing/2014/main" id="{294D16B0-BA0A-DDB9-5249-420595B84722}"/>
+                <a16:creationId xmlns:a16="http://schemas.microsoft.com/office/drawing/2014/main" id="{E6B75A17-7CAA-B9F5-C973-F3862E3691B5}"/>
               </a:ext>
             </a:extLst>
           </p:cNvPr>
@@ -2373,7 +2373,7 @@
           <a:bodyPr/>
           <a:lstStyle/>
           <a:p>
-            <a:fld id="{D66873F9-F4F6-456D-A0A5-F6D781EC8051}" type="datetimeFigureOut">
+            <a:fld id="{EC0A6D18-8F16-4062-8124-075BE2883A06}" type="datetimeFigureOut">
               <a:rPr lang="zh-CN" altLang="en-US" smtClean="0"/>
               <a:t>2024/3/10</a:t>
             </a:fld>
@@ -2386,7 +2386,7 @@
           <p:cNvPr id="6" name="页脚占位符 5">
             <a:extLst>
               <a:ext uri="{FF2B5EF4-FFF2-40B4-BE49-F238E27FC236}">
-                <a16:creationId xmlns:a16="http://schemas.microsoft.com/office/drawing/2014/main" id="{C5920624-3095-CCEA-36EA-5DB12B26D424}"/>
+                <a16:creationId xmlns:a16="http://schemas.microsoft.com/office/drawing/2014/main" id="{98070A6D-3B12-5CF6-1893-98B53D313781}"/>
               </a:ext>
             </a:extLst>
           </p:cNvPr>
@@ -2411,7 +2411,7 @@
           <p:cNvPr id="7" name="灯片编号占位符 6">
             <a:extLst>
               <a:ext uri="{FF2B5EF4-FFF2-40B4-BE49-F238E27FC236}">
-                <a16:creationId xmlns:a16="http://schemas.microsoft.com/office/drawing/2014/main" id="{EC74EA65-95ED-B937-24FA-72E3B59260A0}"/>
+                <a16:creationId xmlns:a16="http://schemas.microsoft.com/office/drawing/2014/main" id="{F1A52B79-9CFE-43D6-4FAC-206FFDEB4FE0}"/>
               </a:ext>
             </a:extLst>
           </p:cNvPr>
@@ -2427,7 +2427,7 @@
           <a:bodyPr/>
           <a:lstStyle/>
           <a:p>
-            <a:fld id="{8508B47B-8C01-4703-9395-438242E14518}" type="slidenum">
+            <a:fld id="{CC8EF511-A96B-4783-9CE7-8163997CB056}" type="slidenum">
               <a:rPr lang="zh-CN" altLang="en-US" smtClean="0"/>
               <a:t>‹#›</a:t>
             </a:fld>
@@ -2438,7 +2438,7 @@
     </p:spTree>
     <p:extLst>
       <p:ext uri="{BB962C8B-B14F-4D97-AF65-F5344CB8AC3E}">
-        <p14:creationId xmlns:p14="http://schemas.microsoft.com/office/powerpoint/2010/main" val="3852256604"/>
+        <p14:creationId xmlns:p14="http://schemas.microsoft.com/office/powerpoint/2010/main" val="2063259073"/>
       </p:ext>
     </p:extLst>
   </p:cSld>
@@ -2470,7 +2470,7 @@
           <p:cNvPr id="2" name="标题 1">
             <a:extLst>
               <a:ext uri="{FF2B5EF4-FFF2-40B4-BE49-F238E27FC236}">
-                <a16:creationId xmlns:a16="http://schemas.microsoft.com/office/drawing/2014/main" id="{1519AADD-EDBE-2593-4FAE-A21DF309D000}"/>
+                <a16:creationId xmlns:a16="http://schemas.microsoft.com/office/drawing/2014/main" id="{B0E615B6-66CB-9220-CA35-E333448A785C}"/>
               </a:ext>
             </a:extLst>
           </p:cNvPr>
@@ -2507,7 +2507,7 @@
           <p:cNvPr id="3" name="图片占位符 2">
             <a:extLst>
               <a:ext uri="{FF2B5EF4-FFF2-40B4-BE49-F238E27FC236}">
-                <a16:creationId xmlns:a16="http://schemas.microsoft.com/office/drawing/2014/main" id="{ED061B11-DC95-2032-FA7A-0AE94C1F6CC3}"/>
+                <a16:creationId xmlns:a16="http://schemas.microsoft.com/office/drawing/2014/main" id="{31B12FBD-0654-E5EF-565B-00AD8A859409}"/>
               </a:ext>
             </a:extLst>
           </p:cNvPr>
@@ -2574,7 +2574,7 @@
           <p:cNvPr id="4" name="文本占位符 3">
             <a:extLst>
               <a:ext uri="{FF2B5EF4-FFF2-40B4-BE49-F238E27FC236}">
-                <a16:creationId xmlns:a16="http://schemas.microsoft.com/office/drawing/2014/main" id="{5235FC78-EF89-7A52-DACD-5D48ABF8F44F}"/>
+                <a16:creationId xmlns:a16="http://schemas.microsoft.com/office/drawing/2014/main" id="{845E6858-3D3D-0322-24C9-1A908456A516}"/>
               </a:ext>
             </a:extLst>
           </p:cNvPr>
@@ -2645,7 +2645,7 @@
           <p:cNvPr id="5" name="日期占位符 4">
             <a:extLst>
               <a:ext uri="{FF2B5EF4-FFF2-40B4-BE49-F238E27FC236}">
-                <a16:creationId xmlns:a16="http://schemas.microsoft.com/office/drawing/2014/main" id="{3F476A57-6529-32E0-A58B-B5AF93D9BCA7}"/>
+                <a16:creationId xmlns:a16="http://schemas.microsoft.com/office/drawing/2014/main" id="{D6542301-3708-8BD6-B03C-BAB046C3F5C8}"/>
               </a:ext>
             </a:extLst>
           </p:cNvPr>
@@ -2661,7 +2661,7 @@
           <a:bodyPr/>
           <a:lstStyle/>
           <a:p>
-            <a:fld id="{D66873F9-F4F6-456D-A0A5-F6D781EC8051}" type="datetimeFigureOut">
+            <a:fld id="{EC0A6D18-8F16-4062-8124-075BE2883A06}" type="datetimeFigureOut">
               <a:rPr lang="zh-CN" altLang="en-US" smtClean="0"/>
               <a:t>2024/3/10</a:t>
             </a:fld>
@@ -2674,7 +2674,7 @@
           <p:cNvPr id="6" name="页脚占位符 5">
             <a:extLst>
               <a:ext uri="{FF2B5EF4-FFF2-40B4-BE49-F238E27FC236}">
-                <a16:creationId xmlns:a16="http://schemas.microsoft.com/office/drawing/2014/main" id="{C8C739D9-5DB1-8443-D69A-1A9CF50F60DF}"/>
+                <a16:creationId xmlns:a16="http://schemas.microsoft.com/office/drawing/2014/main" id="{95088F1A-08A0-E37E-62F5-25F2466AE1B0}"/>
               </a:ext>
             </a:extLst>
           </p:cNvPr>
@@ -2699,7 +2699,7 @@
           <p:cNvPr id="7" name="灯片编号占位符 6">
             <a:extLst>
               <a:ext uri="{FF2B5EF4-FFF2-40B4-BE49-F238E27FC236}">
-                <a16:creationId xmlns:a16="http://schemas.microsoft.com/office/drawing/2014/main" id="{C94C9C62-562D-F97F-BE79-A4005D193121}"/>
+                <a16:creationId xmlns:a16="http://schemas.microsoft.com/office/drawing/2014/main" id="{64A71FC5-0039-82AF-05DC-9C3C8A2E56A7}"/>
               </a:ext>
             </a:extLst>
           </p:cNvPr>
@@ -2715,7 +2715,7 @@
           <a:bodyPr/>
           <a:lstStyle/>
           <a:p>
-            <a:fld id="{8508B47B-8C01-4703-9395-438242E14518}" type="slidenum">
+            <a:fld id="{CC8EF511-A96B-4783-9CE7-8163997CB056}" type="slidenum">
               <a:rPr lang="zh-CN" altLang="en-US" smtClean="0"/>
               <a:t>‹#›</a:t>
             </a:fld>
@@ -2726,7 +2726,7 @@
     </p:spTree>
     <p:extLst>
       <p:ext uri="{BB962C8B-B14F-4D97-AF65-F5344CB8AC3E}">
-        <p14:creationId xmlns:p14="http://schemas.microsoft.com/office/powerpoint/2010/main" val="3115944881"/>
+        <p14:creationId xmlns:p14="http://schemas.microsoft.com/office/powerpoint/2010/main" val="2304053754"/>
       </p:ext>
     </p:extLst>
   </p:cSld>
@@ -2763,7 +2763,7 @@
           <p:cNvPr id="2" name="标题占位符 1">
             <a:extLst>
               <a:ext uri="{FF2B5EF4-FFF2-40B4-BE49-F238E27FC236}">
-                <a16:creationId xmlns:a16="http://schemas.microsoft.com/office/drawing/2014/main" id="{A8F5AE14-71C3-CE75-A635-540E73F8E6FB}"/>
+                <a16:creationId xmlns:a16="http://schemas.microsoft.com/office/drawing/2014/main" id="{4C23C018-768D-89B8-7814-9DB746725434}"/>
               </a:ext>
             </a:extLst>
           </p:cNvPr>
@@ -2801,7 +2801,7 @@
           <p:cNvPr id="3" name="文本占位符 2">
             <a:extLst>
               <a:ext uri="{FF2B5EF4-FFF2-40B4-BE49-F238E27FC236}">
-                <a16:creationId xmlns:a16="http://schemas.microsoft.com/office/drawing/2014/main" id="{B17A77FD-9BA1-0800-3A5D-0A2C43854F4B}"/>
+                <a16:creationId xmlns:a16="http://schemas.microsoft.com/office/drawing/2014/main" id="{12D4E3E8-B6C3-91FF-22B4-774755E7F852}"/>
               </a:ext>
             </a:extLst>
           </p:cNvPr>
@@ -2868,7 +2868,7 @@
           <p:cNvPr id="4" name="日期占位符 3">
             <a:extLst>
               <a:ext uri="{FF2B5EF4-FFF2-40B4-BE49-F238E27FC236}">
-                <a16:creationId xmlns:a16="http://schemas.microsoft.com/office/drawing/2014/main" id="{7B347F82-B5BB-FFFF-C005-F20796CDA0CB}"/>
+                <a16:creationId xmlns:a16="http://schemas.microsoft.com/office/drawing/2014/main" id="{27560252-D621-67A5-19B7-1CAB602D2684}"/>
               </a:ext>
             </a:extLst>
           </p:cNvPr>
@@ -2902,7 +2902,7 @@
             </a:lvl1pPr>
           </a:lstStyle>
           <a:p>
-            <a:fld id="{D66873F9-F4F6-456D-A0A5-F6D781EC8051}" type="datetimeFigureOut">
+            <a:fld id="{EC0A6D18-8F16-4062-8124-075BE2883A06}" type="datetimeFigureOut">
               <a:rPr lang="zh-CN" altLang="en-US" smtClean="0"/>
               <a:t>2024/3/10</a:t>
             </a:fld>
@@ -2915,7 +2915,7 @@
           <p:cNvPr id="5" name="页脚占位符 4">
             <a:extLst>
               <a:ext uri="{FF2B5EF4-FFF2-40B4-BE49-F238E27FC236}">
-                <a16:creationId xmlns:a16="http://schemas.microsoft.com/office/drawing/2014/main" id="{DD3549A6-1F88-D528-9F7D-951E89B52307}"/>
+                <a16:creationId xmlns:a16="http://schemas.microsoft.com/office/drawing/2014/main" id="{6B12ED8C-761C-0D5A-6E1F-0C4CB138F190}"/>
               </a:ext>
             </a:extLst>
           </p:cNvPr>
@@ -2958,7 +2958,7 @@
           <p:cNvPr id="6" name="灯片编号占位符 5">
             <a:extLst>
               <a:ext uri="{FF2B5EF4-FFF2-40B4-BE49-F238E27FC236}">
-                <a16:creationId xmlns:a16="http://schemas.microsoft.com/office/drawing/2014/main" id="{FFBE4489-C4A7-0615-31B5-F7605FEFDBAB}"/>
+                <a16:creationId xmlns:a16="http://schemas.microsoft.com/office/drawing/2014/main" id="{61531E9C-1D72-DA66-4CE2-608D73809C39}"/>
               </a:ext>
             </a:extLst>
           </p:cNvPr>
@@ -2992,7 +2992,7 @@
             </a:lvl1pPr>
           </a:lstStyle>
           <a:p>
-            <a:fld id="{8508B47B-8C01-4703-9395-438242E14518}" type="slidenum">
+            <a:fld id="{CC8EF511-A96B-4783-9CE7-8163997CB056}" type="slidenum">
               <a:rPr lang="zh-CN" altLang="en-US" smtClean="0"/>
               <a:t>‹#›</a:t>
             </a:fld>
@@ -3003,7 +3003,7 @@
     </p:spTree>
     <p:extLst>
       <p:ext uri="{BB962C8B-B14F-4D97-AF65-F5344CB8AC3E}">
-        <p14:creationId xmlns:p14="http://schemas.microsoft.com/office/powerpoint/2010/main" val="1031081797"/>
+        <p14:creationId xmlns:p14="http://schemas.microsoft.com/office/powerpoint/2010/main" val="615497181"/>
       </p:ext>
     </p:extLst>
   </p:cSld>
